--- a/images/logo.pptx
+++ b/images/logo.pptx
@@ -3371,7 +3371,9 @@
             <a:srgbClr val="BCE2F0"/>
           </a:solidFill>
           <a:ln>
-            <a:noFill/>
+            <a:solidFill>
+              <a:srgbClr val="BCE2F0"/>
+            </a:solidFill>
           </a:ln>
         </p:spPr>
         <p:style>
